--- a/参考文献/GA应用于生产排产问题.pptx
+++ b/参考文献/GA应用于生产排产问题.pptx
@@ -414,7 +414,6 @@
           </a:p>
         </c:txPr>
       </c:legendEntry>
-      <c:layout/>
       <c:overlay val="0"/>
       <c:spPr>
         <a:noFill/>
@@ -1112,7 +1111,7 @@
           <a:p>
             <a:fld id="{655B4D49-7943-CE46-9B03-5D98F122FE1F}" type="datetimeFigureOut">
               <a:rPr kumimoji="1" lang="zh-CN" altLang="en-US" smtClean="0"/>
-              <a:t>2022/7/18</a:t>
+              <a:t>2022/7/20</a:t>
             </a:fld>
             <a:endParaRPr kumimoji="1" lang="zh-CN" altLang="en-US"/>
           </a:p>
@@ -1185,6 +1184,11 @@
         </p:txBody>
       </p:sp>
     </p:spTree>
+    <p:extLst>
+      <p:ext uri="{BB962C8B-B14F-4D97-AF65-F5344CB8AC3E}">
+        <p14:creationId xmlns:p14="http://schemas.microsoft.com/office/powerpoint/2010/main" val="1"/>
+      </p:ext>
+    </p:extLst>
   </p:cSld>
   <p:clrMap bg1="lt1" tx1="dk1" bg2="lt2" tx2="dk2" accent1="accent1" accent2="accent2" accent3="accent3" accent4="accent4" accent5="accent5" accent6="accent6" hlink="hlink" folHlink="folHlink"/>
 </p:handoutMaster>
@@ -1272,7 +1276,7 @@
           <a:p>
             <a:fld id="{D2A48B96-639E-45A3-A0BA-2464DFDB1FAA}" type="datetimeFigureOut">
               <a:rPr lang="zh-CN" altLang="en-US" smtClean="0"/>
-              <a:t>2022/7/18</a:t>
+              <a:t>2022/7/20</a:t>
             </a:fld>
             <a:endParaRPr lang="zh-CN" altLang="en-US"/>
           </a:p>
@@ -1558,6 +1562,93 @@
             <a:spLocks noGrp="1" noRot="1" noChangeAspect="1"/>
           </p:cNvSpPr>
           <p:nvPr>
+            <p:ph type="sldImg"/>
+          </p:nvPr>
+        </p:nvSpPr>
+        <p:spPr/>
+      </p:sp>
+      <p:sp>
+        <p:nvSpPr>
+          <p:cNvPr id="3" name="备注占位符 2"/>
+          <p:cNvSpPr>
+            <a:spLocks noGrp="1"/>
+          </p:cNvSpPr>
+          <p:nvPr>
+            <p:ph type="body" idx="1"/>
+          </p:nvPr>
+        </p:nvSpPr>
+        <p:spPr/>
+        <p:txBody>
+          <a:bodyPr/>
+          <a:lstStyle/>
+          <a:p>
+            <a:r>
+              <a:rPr lang="zh-CN" altLang="en-US" dirty="0"/>
+              <a:t>卓别林的喜剧动图</a:t>
+            </a:r>
+          </a:p>
+        </p:txBody>
+      </p:sp>
+      <p:sp>
+        <p:nvSpPr>
+          <p:cNvPr id="4" name="灯片编号占位符 3"/>
+          <p:cNvSpPr>
+            <a:spLocks noGrp="1"/>
+          </p:cNvSpPr>
+          <p:nvPr>
+            <p:ph type="sldNum" sz="quarter" idx="5"/>
+          </p:nvPr>
+        </p:nvSpPr>
+        <p:spPr/>
+        <p:txBody>
+          <a:bodyPr/>
+          <a:lstStyle/>
+          <a:p>
+            <a:fld id="{A6837353-30EB-4A48-80EB-173D804AEFBD}" type="slidenum">
+              <a:rPr lang="zh-CN" altLang="en-US" smtClean="0"/>
+              <a:t>3</a:t>
+            </a:fld>
+            <a:endParaRPr lang="zh-CN" altLang="en-US"/>
+          </a:p>
+        </p:txBody>
+      </p:sp>
+    </p:spTree>
+    <p:extLst>
+      <p:ext uri="{BB962C8B-B14F-4D97-AF65-F5344CB8AC3E}">
+        <p14:creationId xmlns:p14="http://schemas.microsoft.com/office/powerpoint/2010/main" val="3230897364"/>
+      </p:ext>
+    </p:extLst>
+  </p:cSld>
+  <p:clrMapOvr>
+    <a:masterClrMapping/>
+  </p:clrMapOvr>
+</p:notes>
+</file>
+
+<file path=ppt/notesSlides/notesSlide2.xml><?xml version="1.0" encoding="utf-8"?>
+<p:notes xmlns:a="http://schemas.openxmlformats.org/drawingml/2006/main" xmlns:r="http://schemas.openxmlformats.org/officeDocument/2006/relationships" xmlns:p="http://schemas.openxmlformats.org/presentationml/2006/main">
+  <p:cSld>
+    <p:spTree>
+      <p:nvGrpSpPr>
+        <p:cNvPr id="1" name=""/>
+        <p:cNvGrpSpPr/>
+        <p:nvPr/>
+      </p:nvGrpSpPr>
+      <p:grpSpPr>
+        <a:xfrm>
+          <a:off x="0" y="0"/>
+          <a:ext cx="0" cy="0"/>
+          <a:chOff x="0" y="0"/>
+          <a:chExt cx="0" cy="0"/>
+        </a:xfrm>
+      </p:grpSpPr>
+      <p:sp>
+        <p:nvSpPr>
+          <p:cNvPr id="2" name="幻灯片图像占位符 1"/>
+          <p:cNvSpPr>
+            <a:spLocks noGrp="1" noRot="1" noChangeAspect="1"/>
+          </p:cNvSpPr>
+          <p:nvPr>
             <p:ph type="sldImg" idx="2"/>
           </p:nvPr>
         </p:nvSpPr>
@@ -1792,7 +1883,7 @@
           <a:p>
             <a:fld id="{4E96453B-D0E9-4BA0-BA4E-684CF4D30BB6}" type="datetime1">
               <a:rPr kumimoji="1" lang="zh-CN" altLang="en-US" smtClean="0"/>
-              <a:t>2022/7/18</a:t>
+              <a:t>2022/7/20</a:t>
             </a:fld>
             <a:endParaRPr kumimoji="1" lang="zh-CN" altLang="en-US"/>
           </a:p>
@@ -2105,7 +2196,7 @@
           <a:p>
             <a:fld id="{9E9EEB7A-C793-4B0E-A4C3-FABFA39ED35E}" type="datetime1">
               <a:rPr kumimoji="1" lang="zh-CN" altLang="en-US" smtClean="0"/>
-              <a:t>2022/7/18</a:t>
+              <a:t>2022/7/20</a:t>
             </a:fld>
             <a:endParaRPr kumimoji="1" lang="zh-CN" altLang="en-US"/>
           </a:p>
@@ -2538,7 +2629,7 @@
           <a:lstStyle/>
           <a:p>
             <a:r>
-              <a:rPr lang="zh-CN" altLang="en-US" sz="4000" b="1" dirty="0" smtClean="0">
+              <a:rPr lang="zh-CN" altLang="en-US" sz="4000" b="1" dirty="0">
                 <a:solidFill>
                   <a:schemeClr val="tx1">
                     <a:lumMod val="65000"/>
@@ -2550,16 +2641,6 @@
               </a:rPr>
               <a:t>遗传算法求解</a:t>
             </a:r>
-            <a:endParaRPr lang="zh-CN" altLang="en-US" sz="4000" b="1" dirty="0">
-              <a:solidFill>
-                <a:schemeClr val="tx1">
-                  <a:lumMod val="65000"/>
-                  <a:lumOff val="35000"/>
-                </a:schemeClr>
-              </a:solidFill>
-              <a:latin typeface="微软雅黑" panose="020B0503020204020204" pitchFamily="34" charset="-122"/>
-              <a:ea typeface="微软雅黑" panose="020B0503020204020204" pitchFamily="34" charset="-122"/>
-            </a:endParaRPr>
           </a:p>
         </p:txBody>
       </p:sp>
@@ -2586,7 +2667,7 @@
           <a:lstStyle/>
           <a:p>
             <a:r>
-              <a:rPr lang="zh-CN" altLang="en-US" sz="4000" b="1" dirty="0" smtClean="0">
+              <a:rPr lang="zh-CN" altLang="en-US" sz="4000" b="1" dirty="0">
                 <a:solidFill>
                   <a:schemeClr val="tx1">
                     <a:lumMod val="65000"/>
@@ -2599,17 +2680,6 @@
               </a:rPr>
               <a:t>柔性作业车间调度问题</a:t>
             </a:r>
-            <a:endParaRPr lang="zh-CN" altLang="en-US" sz="4000" b="1" dirty="0">
-              <a:solidFill>
-                <a:schemeClr val="tx1">
-                  <a:lumMod val="65000"/>
-                  <a:lumOff val="35000"/>
-                </a:schemeClr>
-              </a:solidFill>
-              <a:latin typeface="微软雅黑" panose="020B0503020204020204" pitchFamily="34" charset="-122"/>
-              <a:ea typeface="微软雅黑" panose="020B0503020204020204" pitchFamily="34" charset="-122"/>
-              <a:cs typeface="Lantinghei SC Demibold" panose="02000000000000000000" charset="-122"/>
-            </a:endParaRPr>
           </a:p>
         </p:txBody>
       </p:sp>
@@ -2690,7 +2760,7 @@
               </a:lnSpc>
             </a:pPr>
             <a:r>
-              <a:rPr lang="zh-CN" altLang="en-US" sz="1600" dirty="0" smtClean="0">
+              <a:rPr lang="zh-CN" altLang="en-US" sz="1600" dirty="0">
                 <a:solidFill>
                   <a:srgbClr val="8B8F92"/>
                 </a:solidFill>
@@ -2699,7 +2769,7 @@
               </a:rPr>
               <a:t>分享人：夏春浩</a:t>
             </a:r>
-            <a:endParaRPr lang="en-US" altLang="zh-CN" sz="1600" dirty="0" smtClean="0">
+            <a:endParaRPr lang="en-US" altLang="zh-CN" sz="1600" dirty="0">
               <a:solidFill>
                 <a:srgbClr val="8B8F92"/>
               </a:solidFill>
@@ -2714,7 +2784,7 @@
               </a:lnSpc>
             </a:pPr>
             <a:r>
-              <a:rPr lang="zh-CN" altLang="en-US" sz="1600" dirty="0" smtClean="0">
+              <a:rPr lang="zh-CN" altLang="en-US" sz="1600" dirty="0">
                 <a:solidFill>
                   <a:srgbClr val="8B8F92"/>
                 </a:solidFill>
@@ -2724,7 +2794,7 @@
               <a:t>部   门：运营</a:t>
             </a:r>
             <a:r>
-              <a:rPr lang="en-US" altLang="zh-CN" sz="1600" dirty="0" smtClean="0">
+              <a:rPr lang="en-US" altLang="zh-CN" sz="1600" dirty="0">
                 <a:solidFill>
                   <a:srgbClr val="8B8F92"/>
                 </a:solidFill>
@@ -2734,7 +2804,7 @@
               <a:t>AI</a:t>
             </a:r>
             <a:r>
-              <a:rPr lang="zh-CN" altLang="en-US" sz="1600" dirty="0" smtClean="0">
+              <a:rPr lang="zh-CN" altLang="en-US" sz="1600" dirty="0">
                 <a:solidFill>
                   <a:srgbClr val="8B8F92"/>
                 </a:solidFill>
@@ -2743,7 +2813,7 @@
               </a:rPr>
               <a:t>算法部</a:t>
             </a:r>
-            <a:endParaRPr lang="en-US" altLang="zh-CN" sz="1600" dirty="0" smtClean="0">
+            <a:endParaRPr lang="en-US" altLang="zh-CN" sz="1600" dirty="0">
               <a:solidFill>
                 <a:srgbClr val="8B8F92"/>
               </a:solidFill>
@@ -2758,7 +2828,7 @@
               </a:lnSpc>
             </a:pPr>
             <a:r>
-              <a:rPr lang="zh-CN" altLang="en-US" sz="1600" dirty="0" smtClean="0">
+              <a:rPr lang="zh-CN" altLang="en-US" sz="1600" dirty="0">
                 <a:solidFill>
                   <a:srgbClr val="8B8F92"/>
                 </a:solidFill>
@@ -2768,7 +2838,7 @@
               <a:t>时   间：</a:t>
             </a:r>
             <a:r>
-              <a:rPr lang="en-US" altLang="zh-CN" sz="1600" dirty="0" smtClean="0">
+              <a:rPr lang="en-US" altLang="zh-CN" sz="1600" dirty="0">
                 <a:solidFill>
                   <a:srgbClr val="8B8F92"/>
                 </a:solidFill>
@@ -2875,7 +2945,7 @@
           <a:lstStyle/>
           <a:p>
             <a:r>
-              <a:rPr lang="zh-CN" altLang="en-US" sz="2400" b="1" dirty="0" smtClean="0">
+              <a:rPr lang="zh-CN" altLang="en-US" sz="2400" b="1" dirty="0">
                 <a:solidFill>
                   <a:schemeClr val="tx1">
                     <a:lumMod val="75000"/>
@@ -2923,10 +2993,9 @@
           <a:lstStyle/>
           <a:p>
             <a:r>
-              <a:rPr lang="zh-CN" altLang="en-US" dirty="0" smtClean="0"/>
+              <a:rPr lang="zh-CN" altLang="en-US" dirty="0"/>
               <a:t>改造算法进行求解</a:t>
             </a:r>
-            <a:endParaRPr lang="zh-CN" altLang="en-US" dirty="0"/>
           </a:p>
         </p:txBody>
       </p:sp>
@@ -10979,7 +11048,7 @@
           <a:p>
             <a:fld id="{B541D6AC-5F7E-44F3-841B-939AAE0842A3}" type="datetime1">
               <a:rPr kumimoji="1" lang="zh-CN" altLang="en-US" smtClean="0"/>
-              <a:t>2022/7/18</a:t>
+              <a:t>2022/7/20</a:t>
             </a:fld>
             <a:endParaRPr kumimoji="1" lang="zh-CN" altLang="en-US"/>
           </a:p>
@@ -11276,7 +11345,7 @@
           <a:p>
             <a:pPr algn="dist"/>
             <a:r>
-              <a:rPr lang="zh-CN" altLang="en-US" dirty="0" smtClean="0">
+              <a:rPr lang="zh-CN" altLang="en-US" dirty="0">
                 <a:solidFill>
                   <a:schemeClr val="tx1">
                     <a:lumMod val="75000"/>
@@ -11288,6 +11357,97 @@
               </a:rPr>
               <a:t>问题介绍</a:t>
             </a:r>
+          </a:p>
+        </p:txBody>
+      </p:sp>
+      <p:sp>
+        <p:nvSpPr>
+          <p:cNvPr id="13" name="矩形 12"/>
+          <p:cNvSpPr/>
+          <p:nvPr/>
+        </p:nvSpPr>
+        <p:spPr>
+          <a:xfrm>
+            <a:off x="3187987" y="2013645"/>
+            <a:ext cx="327334" cy="369332"/>
+          </a:xfrm>
+          <a:prstGeom prst="rect">
+            <a:avLst/>
+          </a:prstGeom>
+        </p:spPr>
+        <p:txBody>
+          <a:bodyPr wrap="none">
+            <a:spAutoFit/>
+          </a:bodyPr>
+          <a:lstStyle/>
+          <a:p>
+            <a:r>
+              <a:rPr lang="en-US" altLang="zh-CN" b="1" dirty="0">
+                <a:solidFill>
+                  <a:schemeClr val="bg1"/>
+                </a:solidFill>
+                <a:latin typeface="微软雅黑" panose="020B0503020204020204" pitchFamily="34" charset="-122"/>
+                <a:ea typeface="微软雅黑" panose="020B0503020204020204" pitchFamily="34" charset="-122"/>
+              </a:rPr>
+              <a:t>1</a:t>
+            </a:r>
+            <a:endParaRPr lang="zh-CN" altLang="en-US" b="1" dirty="0">
+              <a:solidFill>
+                <a:schemeClr val="bg1"/>
+              </a:solidFill>
+              <a:latin typeface="微软雅黑" panose="020B0503020204020204" pitchFamily="34" charset="-122"/>
+              <a:ea typeface="微软雅黑" panose="020B0503020204020204" pitchFamily="34" charset="-122"/>
+            </a:endParaRPr>
+          </a:p>
+        </p:txBody>
+      </p:sp>
+      <p:sp>
+        <p:nvSpPr>
+          <p:cNvPr id="15" name="矩形 14"/>
+          <p:cNvSpPr/>
+          <p:nvPr/>
+        </p:nvSpPr>
+        <p:spPr>
+          <a:xfrm>
+            <a:off x="3574563" y="2614407"/>
+            <a:ext cx="1595309" cy="369332"/>
+          </a:xfrm>
+          <a:prstGeom prst="rect">
+            <a:avLst/>
+          </a:prstGeom>
+        </p:spPr>
+        <p:txBody>
+          <a:bodyPr wrap="none">
+            <a:spAutoFit/>
+          </a:bodyPr>
+          <a:lstStyle/>
+          <a:p>
+            <a:r>
+              <a:rPr lang="zh-CN" altLang="en-US" dirty="0">
+                <a:solidFill>
+                  <a:schemeClr val="tx1">
+                    <a:lumMod val="75000"/>
+                    <a:lumOff val="25000"/>
+                  </a:schemeClr>
+                </a:solidFill>
+                <a:latin typeface="微软雅黑" panose="020B0503020204020204" pitchFamily="34" charset="-122"/>
+                <a:ea typeface="微软雅黑" panose="020B0503020204020204" pitchFamily="34" charset="-122"/>
+              </a:rPr>
+              <a:t>遗传算法</a:t>
+            </a:r>
+            <a:r>
+              <a:rPr lang="en-US" altLang="zh-CN" dirty="0">
+                <a:solidFill>
+                  <a:schemeClr val="tx1">
+                    <a:lumMod val="75000"/>
+                    <a:lumOff val="25000"/>
+                  </a:schemeClr>
+                </a:solidFill>
+                <a:latin typeface="微软雅黑" panose="020B0503020204020204" pitchFamily="34" charset="-122"/>
+                <a:ea typeface="微软雅黑" panose="020B0503020204020204" pitchFamily="34" charset="-122"/>
+              </a:rPr>
+              <a:t>(GA)</a:t>
+            </a:r>
             <a:endParaRPr lang="zh-CN" altLang="en-US" dirty="0">
               <a:solidFill>
                 <a:schemeClr val="tx1">
@@ -11303,14 +11463,14 @@
       </p:sp>
       <p:sp>
         <p:nvSpPr>
-          <p:cNvPr id="13" name="矩形 12"/>
+          <p:cNvPr id="17" name="矩形 16"/>
           <p:cNvSpPr/>
           <p:nvPr/>
         </p:nvSpPr>
         <p:spPr>
           <a:xfrm>
-            <a:off x="3187987" y="2013645"/>
-            <a:ext cx="327334" cy="369332"/>
+            <a:off x="3172759" y="2624636"/>
+            <a:ext cx="335348" cy="369332"/>
           </a:xfrm>
           <a:prstGeom prst="rect">
             <a:avLst/>
@@ -11330,7 +11490,7 @@
                 <a:latin typeface="微软雅黑" panose="020B0503020204020204" pitchFamily="34" charset="-122"/>
                 <a:ea typeface="微软雅黑" panose="020B0503020204020204" pitchFamily="34" charset="-122"/>
               </a:rPr>
-              <a:t>1</a:t>
+              <a:t>2</a:t>
             </a:r>
             <a:endParaRPr lang="zh-CN" altLang="en-US" b="1" dirty="0">
               <a:solidFill>
@@ -11344,14 +11504,14 @@
       </p:sp>
       <p:sp>
         <p:nvSpPr>
-          <p:cNvPr id="15" name="矩形 14"/>
+          <p:cNvPr id="19" name="矩形 18"/>
           <p:cNvSpPr/>
           <p:nvPr/>
         </p:nvSpPr>
         <p:spPr>
           <a:xfrm>
-            <a:off x="3574563" y="2614407"/>
-            <a:ext cx="1595309" cy="369332"/>
+            <a:off x="3574563" y="3262598"/>
+            <a:ext cx="1107996" cy="369332"/>
           </a:xfrm>
           <a:prstGeom prst="rect">
             <a:avLst/>
@@ -11374,132 +11534,8 @@
                 <a:latin typeface="微软雅黑" panose="020B0503020204020204" pitchFamily="34" charset="-122"/>
                 <a:ea typeface="微软雅黑" panose="020B0503020204020204" pitchFamily="34" charset="-122"/>
               </a:rPr>
-              <a:t>遗传</a:t>
-            </a:r>
-            <a:r>
-              <a:rPr lang="zh-CN" altLang="en-US" dirty="0" smtClean="0">
-                <a:solidFill>
-                  <a:schemeClr val="tx1">
-                    <a:lumMod val="75000"/>
-                    <a:lumOff val="25000"/>
-                  </a:schemeClr>
-                </a:solidFill>
-                <a:latin typeface="微软雅黑" panose="020B0503020204020204" pitchFamily="34" charset="-122"/>
-                <a:ea typeface="微软雅黑" panose="020B0503020204020204" pitchFamily="34" charset="-122"/>
-              </a:rPr>
-              <a:t>算法</a:t>
-            </a:r>
-            <a:r>
-              <a:rPr lang="en-US" altLang="zh-CN" dirty="0" smtClean="0">
-                <a:solidFill>
-                  <a:schemeClr val="tx1">
-                    <a:lumMod val="75000"/>
-                    <a:lumOff val="25000"/>
-                  </a:schemeClr>
-                </a:solidFill>
-                <a:latin typeface="微软雅黑" panose="020B0503020204020204" pitchFamily="34" charset="-122"/>
-                <a:ea typeface="微软雅黑" panose="020B0503020204020204" pitchFamily="34" charset="-122"/>
-              </a:rPr>
-              <a:t>(GA)</a:t>
-            </a:r>
-            <a:endParaRPr lang="zh-CN" altLang="en-US" dirty="0">
-              <a:solidFill>
-                <a:schemeClr val="tx1">
-                  <a:lumMod val="75000"/>
-                  <a:lumOff val="25000"/>
-                </a:schemeClr>
-              </a:solidFill>
-              <a:latin typeface="微软雅黑" panose="020B0503020204020204" pitchFamily="34" charset="-122"/>
-              <a:ea typeface="微软雅黑" panose="020B0503020204020204" pitchFamily="34" charset="-122"/>
-            </a:endParaRPr>
-          </a:p>
-        </p:txBody>
-      </p:sp>
-      <p:sp>
-        <p:nvSpPr>
-          <p:cNvPr id="17" name="矩形 16"/>
-          <p:cNvSpPr/>
-          <p:nvPr/>
-        </p:nvSpPr>
-        <p:spPr>
-          <a:xfrm>
-            <a:off x="3172759" y="2624636"/>
-            <a:ext cx="335348" cy="369332"/>
-          </a:xfrm>
-          <a:prstGeom prst="rect">
-            <a:avLst/>
-          </a:prstGeom>
-        </p:spPr>
-        <p:txBody>
-          <a:bodyPr wrap="none">
-            <a:spAutoFit/>
-          </a:bodyPr>
-          <a:lstStyle/>
-          <a:p>
-            <a:r>
-              <a:rPr lang="en-US" altLang="zh-CN" b="1" dirty="0">
-                <a:solidFill>
-                  <a:schemeClr val="bg1"/>
-                </a:solidFill>
-                <a:latin typeface="微软雅黑" panose="020B0503020204020204" pitchFamily="34" charset="-122"/>
-                <a:ea typeface="微软雅黑" panose="020B0503020204020204" pitchFamily="34" charset="-122"/>
-              </a:rPr>
-              <a:t>2</a:t>
-            </a:r>
-            <a:endParaRPr lang="zh-CN" altLang="en-US" b="1" dirty="0">
-              <a:solidFill>
-                <a:schemeClr val="bg1"/>
-              </a:solidFill>
-              <a:latin typeface="微软雅黑" panose="020B0503020204020204" pitchFamily="34" charset="-122"/>
-              <a:ea typeface="微软雅黑" panose="020B0503020204020204" pitchFamily="34" charset="-122"/>
-            </a:endParaRPr>
-          </a:p>
-        </p:txBody>
-      </p:sp>
-      <p:sp>
-        <p:nvSpPr>
-          <p:cNvPr id="19" name="矩形 18"/>
-          <p:cNvSpPr/>
-          <p:nvPr/>
-        </p:nvSpPr>
-        <p:spPr>
-          <a:xfrm>
-            <a:off x="3574563" y="3262598"/>
-            <a:ext cx="1107996" cy="369332"/>
-          </a:xfrm>
-          <a:prstGeom prst="rect">
-            <a:avLst/>
-          </a:prstGeom>
-        </p:spPr>
-        <p:txBody>
-          <a:bodyPr wrap="none">
-            <a:spAutoFit/>
-          </a:bodyPr>
-          <a:lstStyle/>
-          <a:p>
-            <a:r>
-              <a:rPr lang="zh-CN" altLang="en-US" dirty="0" smtClean="0">
-                <a:solidFill>
-                  <a:schemeClr val="tx1">
-                    <a:lumMod val="75000"/>
-                    <a:lumOff val="25000"/>
-                  </a:schemeClr>
-                </a:solidFill>
-                <a:latin typeface="微软雅黑" panose="020B0503020204020204" pitchFamily="34" charset="-122"/>
-                <a:ea typeface="微软雅黑" panose="020B0503020204020204" pitchFamily="34" charset="-122"/>
-              </a:rPr>
               <a:t>实例应用</a:t>
             </a:r>
-            <a:endParaRPr lang="zh-CN" altLang="en-US" dirty="0">
-              <a:solidFill>
-                <a:schemeClr val="tx1">
-                  <a:lumMod val="75000"/>
-                  <a:lumOff val="25000"/>
-                </a:schemeClr>
-              </a:solidFill>
-              <a:latin typeface="微软雅黑" panose="020B0503020204020204" pitchFamily="34" charset="-122"/>
-              <a:ea typeface="微软雅黑" panose="020B0503020204020204" pitchFamily="34" charset="-122"/>
-            </a:endParaRPr>
           </a:p>
         </p:txBody>
       </p:sp>
@@ -11646,6 +11682,52 @@
       </p:grpSpPr>
       <p:sp>
         <p:nvSpPr>
+          <p:cNvPr id="18" name="矩形: 圆角 17">
+            <a:extLst>
+              <a:ext uri="{FF2B5EF4-FFF2-40B4-BE49-F238E27FC236}">
+                <a16:creationId xmlns:a16="http://schemas.microsoft.com/office/drawing/2014/main" id="{CBB19FF5-D9FB-447F-F65A-26CFC6ABBFE2}"/>
+              </a:ext>
+            </a:extLst>
+          </p:cNvPr>
+          <p:cNvSpPr/>
+          <p:nvPr/>
+        </p:nvSpPr>
+        <p:spPr>
+          <a:xfrm>
+            <a:off x="1828800" y="4400550"/>
+            <a:ext cx="6877050" cy="2238375"/>
+          </a:xfrm>
+          <a:prstGeom prst="roundRect">
+            <a:avLst/>
+          </a:prstGeom>
+        </p:spPr>
+        <p:style>
+          <a:lnRef idx="2">
+            <a:schemeClr val="accent1">
+              <a:shade val="50000"/>
+            </a:schemeClr>
+          </a:lnRef>
+          <a:fillRef idx="1">
+            <a:schemeClr val="accent1"/>
+          </a:fillRef>
+          <a:effectRef idx="0">
+            <a:schemeClr val="accent1"/>
+          </a:effectRef>
+          <a:fontRef idx="minor">
+            <a:schemeClr val="lt1"/>
+          </a:fontRef>
+        </p:style>
+        <p:txBody>
+          <a:bodyPr rtlCol="0" anchor="ctr"/>
+          <a:lstStyle/>
+          <a:p>
+            <a:pPr algn="ctr"/>
+            <a:endParaRPr lang="zh-CN" altLang="en-US"/>
+          </a:p>
+        </p:txBody>
+      </p:sp>
+      <p:sp>
+        <p:nvSpPr>
           <p:cNvPr id="4" name="矩形 3">
             <a:extLst>
               <a:ext uri="{FF2B5EF4-FFF2-40B4-BE49-F238E27FC236}">
@@ -11672,7 +11754,7 @@
           <a:lstStyle/>
           <a:p>
             <a:r>
-              <a:rPr lang="zh-CN" altLang="en-US" sz="2400" b="1" dirty="0" smtClean="0">
+              <a:rPr lang="zh-CN" altLang="en-US" sz="2400" b="1" dirty="0">
                 <a:solidFill>
                   <a:schemeClr val="tx1">
                     <a:lumMod val="75000"/>
@@ -11699,14 +11781,20 @@
       </p:sp>
       <p:sp>
         <p:nvSpPr>
-          <p:cNvPr id="3" name="文本框 2"/>
+          <p:cNvPr id="7" name="文本框 6">
+            <a:extLst>
+              <a:ext uri="{FF2B5EF4-FFF2-40B4-BE49-F238E27FC236}">
+                <a16:creationId xmlns:a16="http://schemas.microsoft.com/office/drawing/2014/main" id="{80EA0338-4318-CF97-9F6B-7B3A5AA780CE}"/>
+              </a:ext>
+            </a:extLst>
+          </p:cNvPr>
           <p:cNvSpPr txBox="1"/>
           <p:nvPr/>
         </p:nvSpPr>
         <p:spPr>
           <a:xfrm>
-            <a:off x="651850" y="1303699"/>
-            <a:ext cx="7523429" cy="369332"/>
+            <a:off x="2804403" y="4994317"/>
+            <a:ext cx="787873" cy="369332"/>
           </a:xfrm>
           <a:prstGeom prst="rect">
             <a:avLst/>
@@ -11720,35 +11808,28 @@
           <a:lstStyle/>
           <a:p>
             <a:r>
-              <a:rPr lang="zh-CN" altLang="en-US" dirty="0" smtClean="0"/>
-              <a:t>作业车间调度问题</a:t>
-            </a:r>
-            <a:r>
-              <a:rPr lang="en-US" altLang="zh-CN" dirty="0" smtClean="0"/>
-              <a:t>(Job-shop </a:t>
-            </a:r>
-            <a:r>
-              <a:rPr lang="en-US" altLang="zh-CN" dirty="0"/>
-              <a:t>S</a:t>
-            </a:r>
-            <a:r>
-              <a:rPr lang="en-US" altLang="zh-CN" dirty="0" smtClean="0"/>
-              <a:t>cheduling Problem, JSP)</a:t>
-            </a:r>
-            <a:endParaRPr lang="zh-CN" altLang="en-US" dirty="0"/>
-          </a:p>
-        </p:txBody>
-      </p:sp>
-      <p:sp>
-        <p:nvSpPr>
-          <p:cNvPr id="5" name="文本框 4"/>
+              <a:rPr lang="zh-CN" altLang="en-US" dirty="0"/>
+              <a:t>产品</a:t>
+            </a:r>
+          </a:p>
+        </p:txBody>
+      </p:sp>
+      <p:sp>
+        <p:nvSpPr>
+          <p:cNvPr id="8" name="文本框 7">
+            <a:extLst>
+              <a:ext uri="{FF2B5EF4-FFF2-40B4-BE49-F238E27FC236}">
+                <a16:creationId xmlns:a16="http://schemas.microsoft.com/office/drawing/2014/main" id="{9771F6AA-FB59-C170-7661-2117D74ECA78}"/>
+              </a:ext>
+            </a:extLst>
+          </p:cNvPr>
           <p:cNvSpPr txBox="1"/>
           <p:nvPr/>
         </p:nvSpPr>
         <p:spPr>
           <a:xfrm>
-            <a:off x="651849" y="3610824"/>
-            <a:ext cx="7523429" cy="369332"/>
+            <a:off x="6455889" y="4984792"/>
+            <a:ext cx="923925" cy="369332"/>
           </a:xfrm>
           <a:prstGeom prst="rect">
             <a:avLst/>
@@ -11763,25 +11844,43 @@
           <a:p>
             <a:r>
               <a:rPr lang="zh-CN" altLang="en-US" dirty="0"/>
-              <a:t>柔性</a:t>
-            </a:r>
-            <a:r>
-              <a:rPr lang="zh-CN" altLang="en-US" dirty="0" smtClean="0"/>
-              <a:t>作业车间调度问题</a:t>
-            </a:r>
-            <a:r>
-              <a:rPr lang="en-US" altLang="zh-CN" dirty="0" smtClean="0"/>
-              <a:t>(Flexible Job-shop </a:t>
-            </a:r>
-            <a:r>
-              <a:rPr lang="en-US" altLang="zh-CN" dirty="0"/>
-              <a:t>S</a:t>
-            </a:r>
-            <a:r>
-              <a:rPr lang="en-US" altLang="zh-CN" dirty="0" smtClean="0"/>
-              <a:t>cheduling Problem, JSP)</a:t>
-            </a:r>
-            <a:endParaRPr lang="zh-CN" altLang="en-US" dirty="0"/>
+              <a:t>机器</a:t>
+            </a:r>
+          </a:p>
+        </p:txBody>
+      </p:sp>
+      <p:sp>
+        <p:nvSpPr>
+          <p:cNvPr id="10" name="文本框 9">
+            <a:extLst>
+              <a:ext uri="{FF2B5EF4-FFF2-40B4-BE49-F238E27FC236}">
+                <a16:creationId xmlns:a16="http://schemas.microsoft.com/office/drawing/2014/main" id="{7E472B34-8F89-9EAD-5983-B4B0BCE138B1}"/>
+              </a:ext>
+            </a:extLst>
+          </p:cNvPr>
+          <p:cNvSpPr txBox="1"/>
+          <p:nvPr/>
+        </p:nvSpPr>
+        <p:spPr>
+          <a:xfrm>
+            <a:off x="4448175" y="4994317"/>
+            <a:ext cx="923925" cy="369332"/>
+          </a:xfrm>
+          <a:prstGeom prst="rect">
+            <a:avLst/>
+          </a:prstGeom>
+          <a:noFill/>
+        </p:spPr>
+        <p:txBody>
+          <a:bodyPr wrap="square" rtlCol="0">
+            <a:spAutoFit/>
+          </a:bodyPr>
+          <a:lstStyle/>
+          <a:p>
+            <a:r>
+              <a:rPr lang="zh-CN" altLang="en-US" dirty="0"/>
+              <a:t>工艺</a:t>
+            </a:r>
           </a:p>
         </p:txBody>
       </p:sp>
@@ -11876,7 +11975,7 @@
         </p:nvSpPr>
         <p:spPr>
           <a:xfrm>
-            <a:off x="1013988" y="1303699"/>
+            <a:off x="642513" y="4551540"/>
             <a:ext cx="5069941" cy="923330"/>
           </a:xfrm>
           <a:prstGeom prst="rect">
@@ -11891,18 +11990,97 @@
           <a:lstStyle/>
           <a:p>
             <a:r>
-              <a:rPr lang="zh-CN" altLang="en-US" dirty="0" smtClean="0"/>
+              <a:rPr lang="zh-CN" altLang="en-US" dirty="0"/>
               <a:t>各符号说明</a:t>
             </a:r>
-            <a:endParaRPr lang="en-US" altLang="zh-CN" dirty="0" smtClean="0"/>
-          </a:p>
-          <a:p>
             <a:endParaRPr lang="en-US" altLang="zh-CN" dirty="0"/>
           </a:p>
           <a:p>
-            <a:r>
-              <a:rPr lang="zh-CN" altLang="en-US" dirty="0" smtClean="0"/>
+            <a:endParaRPr lang="en-US" altLang="zh-CN" dirty="0"/>
+          </a:p>
+          <a:p>
+            <a:r>
+              <a:rPr lang="zh-CN" altLang="en-US" dirty="0"/>
               <a:t>例子数据</a:t>
+            </a:r>
+          </a:p>
+        </p:txBody>
+      </p:sp>
+      <p:sp>
+        <p:nvSpPr>
+          <p:cNvPr id="5" name="文本框 4">
+            <a:extLst>
+              <a:ext uri="{FF2B5EF4-FFF2-40B4-BE49-F238E27FC236}">
+                <a16:creationId xmlns:a16="http://schemas.microsoft.com/office/drawing/2014/main" id="{A7F48A23-20DB-D2F1-C3A3-C2CD6F423526}"/>
+              </a:ext>
+            </a:extLst>
+          </p:cNvPr>
+          <p:cNvSpPr txBox="1"/>
+          <p:nvPr/>
+        </p:nvSpPr>
+        <p:spPr>
+          <a:xfrm>
+            <a:off x="556598" y="1327710"/>
+            <a:ext cx="7523429" cy="369332"/>
+          </a:xfrm>
+          <a:prstGeom prst="rect">
+            <a:avLst/>
+          </a:prstGeom>
+          <a:noFill/>
+        </p:spPr>
+        <p:txBody>
+          <a:bodyPr wrap="square" rtlCol="0">
+            <a:spAutoFit/>
+          </a:bodyPr>
+          <a:lstStyle/>
+          <a:p>
+            <a:r>
+              <a:rPr lang="zh-CN" altLang="en-US" dirty="0"/>
+              <a:t>作业车间调度问题</a:t>
+            </a:r>
+            <a:r>
+              <a:rPr lang="en-US" altLang="zh-CN" dirty="0"/>
+              <a:t>(Job-shop Scheduling Problem, JSP)</a:t>
+            </a:r>
+            <a:endParaRPr lang="zh-CN" altLang="en-US" dirty="0"/>
+          </a:p>
+        </p:txBody>
+      </p:sp>
+      <p:sp>
+        <p:nvSpPr>
+          <p:cNvPr id="6" name="文本框 5">
+            <a:extLst>
+              <a:ext uri="{FF2B5EF4-FFF2-40B4-BE49-F238E27FC236}">
+                <a16:creationId xmlns:a16="http://schemas.microsoft.com/office/drawing/2014/main" id="{5F52E79E-CB3A-94B8-23D6-36568D7F09FF}"/>
+              </a:ext>
+            </a:extLst>
+          </p:cNvPr>
+          <p:cNvSpPr txBox="1"/>
+          <p:nvPr/>
+        </p:nvSpPr>
+        <p:spPr>
+          <a:xfrm>
+            <a:off x="556597" y="1935903"/>
+            <a:ext cx="7523429" cy="369332"/>
+          </a:xfrm>
+          <a:prstGeom prst="rect">
+            <a:avLst/>
+          </a:prstGeom>
+          <a:noFill/>
+        </p:spPr>
+        <p:txBody>
+          <a:bodyPr wrap="square" rtlCol="0">
+            <a:spAutoFit/>
+          </a:bodyPr>
+          <a:lstStyle/>
+          <a:p>
+            <a:r>
+              <a:rPr lang="zh-CN" altLang="en-US" dirty="0"/>
+              <a:t>柔性作业车间调度问题</a:t>
+            </a:r>
+            <a:r>
+              <a:rPr lang="en-US" altLang="zh-CN" dirty="0"/>
+              <a:t>(Flexible Job-shop Scheduling Problem, JSP)</a:t>
             </a:r>
             <a:endParaRPr lang="zh-CN" altLang="en-US" dirty="0"/>
           </a:p>
@@ -11966,7 +12144,7 @@
           <a:lstStyle/>
           <a:p>
             <a:r>
-              <a:rPr lang="zh-CN" altLang="en-US" sz="2400" b="1" dirty="0" smtClean="0">
+              <a:rPr lang="zh-CN" altLang="en-US" sz="2400" b="1" dirty="0">
                 <a:solidFill>
                   <a:schemeClr val="tx1">
                     <a:lumMod val="75000"/>
@@ -11979,7 +12157,7 @@
               <a:t>遗传算法</a:t>
             </a:r>
             <a:r>
-              <a:rPr lang="en-US" altLang="zh-CN" sz="2400" b="1" dirty="0" smtClean="0">
+              <a:rPr lang="en-US" altLang="zh-CN" sz="2400" b="1" dirty="0">
                 <a:solidFill>
                   <a:schemeClr val="tx1">
                     <a:lumMod val="75000"/>
@@ -12027,37 +12205,37 @@
           <a:lstStyle/>
           <a:p>
             <a:r>
-              <a:rPr lang="zh-CN" altLang="en-US" dirty="0" smtClean="0"/>
+              <a:rPr lang="zh-CN" altLang="en-US" dirty="0"/>
               <a:t>染色体</a:t>
             </a:r>
             <a:r>
-              <a:rPr lang="en-US" altLang="zh-CN" dirty="0" smtClean="0"/>
+              <a:rPr lang="en-US" altLang="zh-CN" dirty="0"/>
               <a:t>(</a:t>
             </a:r>
             <a:r>
-              <a:rPr lang="zh-CN" altLang="en-US" dirty="0" smtClean="0"/>
+              <a:rPr lang="zh-CN" altLang="en-US" dirty="0"/>
               <a:t>编码</a:t>
             </a:r>
             <a:r>
-              <a:rPr lang="en-US" altLang="zh-CN" dirty="0" smtClean="0"/>
+              <a:rPr lang="en-US" altLang="zh-CN" dirty="0"/>
               <a:t>)</a:t>
             </a:r>
           </a:p>
           <a:p>
             <a:r>
-              <a:rPr lang="zh-CN" altLang="en-US" dirty="0" smtClean="0"/>
+              <a:rPr lang="zh-CN" altLang="en-US" dirty="0"/>
               <a:t>染色体</a:t>
             </a:r>
             <a:r>
-              <a:rPr lang="en-US" altLang="zh-CN" dirty="0" smtClean="0"/>
+              <a:rPr lang="en-US" altLang="zh-CN" dirty="0"/>
               <a:t>(</a:t>
             </a:r>
             <a:r>
-              <a:rPr lang="zh-CN" altLang="en-US" dirty="0" smtClean="0"/>
+              <a:rPr lang="zh-CN" altLang="en-US" dirty="0"/>
               <a:t>解码</a:t>
             </a:r>
             <a:r>
-              <a:rPr lang="en-US" altLang="zh-CN" dirty="0" smtClean="0"/>
+              <a:rPr lang="en-US" altLang="zh-CN" dirty="0"/>
               <a:t>)</a:t>
             </a:r>
           </a:p>
@@ -12186,13 +12364,8 @@
           <a:p>
             <a:r>
               <a:rPr lang="zh-CN" altLang="en-US" dirty="0"/>
-              <a:t>初始</a:t>
-            </a:r>
-            <a:r>
-              <a:rPr lang="zh-CN" altLang="en-US" dirty="0" smtClean="0"/>
-              <a:t>解生成</a:t>
-            </a:r>
-            <a:endParaRPr lang="zh-CN" altLang="en-US" dirty="0"/>
+              <a:t>初始解生成</a:t>
+            </a:r>
           </a:p>
         </p:txBody>
       </p:sp>
@@ -12315,24 +12488,23 @@
           <a:lstStyle/>
           <a:p>
             <a:r>
-              <a:rPr lang="zh-CN" altLang="en-US" dirty="0" smtClean="0"/>
+              <a:rPr lang="zh-CN" altLang="en-US" dirty="0"/>
               <a:t>交叉</a:t>
             </a:r>
-            <a:endParaRPr lang="en-US" altLang="zh-CN" dirty="0" smtClean="0"/>
-          </a:p>
-          <a:p>
-            <a:r>
-              <a:rPr lang="zh-CN" altLang="en-US" dirty="0" smtClean="0"/>
+            <a:endParaRPr lang="en-US" altLang="zh-CN" dirty="0"/>
+          </a:p>
+          <a:p>
+            <a:r>
+              <a:rPr lang="zh-CN" altLang="en-US" dirty="0"/>
               <a:t>变异</a:t>
             </a:r>
-            <a:endParaRPr lang="en-US" altLang="zh-CN" dirty="0" smtClean="0"/>
-          </a:p>
-          <a:p>
-            <a:r>
-              <a:rPr lang="zh-CN" altLang="en-US" dirty="0" smtClean="0"/>
+            <a:endParaRPr lang="en-US" altLang="zh-CN" dirty="0"/>
+          </a:p>
+          <a:p>
+            <a:r>
+              <a:rPr lang="zh-CN" altLang="en-US" dirty="0"/>
               <a:t>评价函数</a:t>
             </a:r>
-            <a:endParaRPr lang="zh-CN" altLang="en-US" dirty="0"/>
           </a:p>
         </p:txBody>
       </p:sp>
@@ -12455,10 +12627,9 @@
           <a:lstStyle/>
           <a:p>
             <a:r>
-              <a:rPr lang="zh-CN" altLang="en-US" dirty="0" smtClean="0"/>
+              <a:rPr lang="zh-CN" altLang="en-US" dirty="0"/>
               <a:t>算法整体流程</a:t>
             </a:r>
-            <a:endParaRPr lang="zh-CN" altLang="en-US" dirty="0"/>
           </a:p>
         </p:txBody>
       </p:sp>
@@ -12581,10 +12752,9 @@
           <a:lstStyle/>
           <a:p>
             <a:r>
-              <a:rPr lang="zh-CN" altLang="en-US" dirty="0" smtClean="0"/>
+              <a:rPr lang="zh-CN" altLang="en-US" dirty="0"/>
               <a:t>结果对比</a:t>
             </a:r>
-            <a:endParaRPr lang="zh-CN" altLang="en-US" dirty="0"/>
           </a:p>
         </p:txBody>
       </p:sp>
